--- a/docs/diagrams/AddSaleCommandSequenceDiagram.pptx
+++ b/docs/diagrams/AddSaleCommandSequenceDiagram.pptx
@@ -109,7 +109,7 @@
   </p:defaultTextStyle>
   <p:extLst>
     <p:ext uri="{EFAFB233-063F-42B5-8137-9DF3F51BA10A}">
-      <p15:sldGuideLst xmlns:p15="http://schemas.microsoft.com/office/powerpoint/2012/main">
+      <p15:sldGuideLst xmlns:p15="http://schemas.microsoft.com/office/powerpoint/2012/main" xmlns="">
         <p15:guide id="1" orient="horz" pos="1488">
           <p15:clr>
             <a:srgbClr val="A4A3A4"/>
@@ -212,7 +212,7 @@
           <a:p>
             <a:fld id="{F5CC4B3F-88C1-4FFA-B1B6-F41C21DC6924}" type="datetimeFigureOut">
               <a:rPr lang="en-US" smtClean="0"/>
-              <a:t>7/11/2017</a:t>
+              <a:t>9/11/18</a:t>
             </a:fld>
             <a:endParaRPr lang="en-US"/>
           </a:p>
@@ -658,7 +658,7 @@
           <a:p>
             <a:fld id="{78C97017-6FC3-485B-9764-EAC9E56C1D49}" type="datetimeFigureOut">
               <a:rPr lang="en-US" smtClean="0"/>
-              <a:t>7/11/2017</a:t>
+              <a:t>9/11/18</a:t>
             </a:fld>
             <a:endParaRPr lang="en-US"/>
           </a:p>
@@ -826,7 +826,7 @@
           <a:p>
             <a:fld id="{78C97017-6FC3-485B-9764-EAC9E56C1D49}" type="datetimeFigureOut">
               <a:rPr lang="en-US" smtClean="0"/>
-              <a:t>7/11/2017</a:t>
+              <a:t>9/11/18</a:t>
             </a:fld>
             <a:endParaRPr lang="en-US"/>
           </a:p>
@@ -1004,7 +1004,7 @@
           <a:p>
             <a:fld id="{78C97017-6FC3-485B-9764-EAC9E56C1D49}" type="datetimeFigureOut">
               <a:rPr lang="en-US" smtClean="0"/>
-              <a:t>7/11/2017</a:t>
+              <a:t>9/11/18</a:t>
             </a:fld>
             <a:endParaRPr lang="en-US"/>
           </a:p>
@@ -1172,7 +1172,7 @@
           <a:p>
             <a:fld id="{78C97017-6FC3-485B-9764-EAC9E56C1D49}" type="datetimeFigureOut">
               <a:rPr lang="en-US" smtClean="0"/>
-              <a:t>7/11/2017</a:t>
+              <a:t>9/11/18</a:t>
             </a:fld>
             <a:endParaRPr lang="en-US"/>
           </a:p>
@@ -1417,7 +1417,7 @@
           <a:p>
             <a:fld id="{78C97017-6FC3-485B-9764-EAC9E56C1D49}" type="datetimeFigureOut">
               <a:rPr lang="en-US" smtClean="0"/>
-              <a:t>7/11/2017</a:t>
+              <a:t>9/11/18</a:t>
             </a:fld>
             <a:endParaRPr lang="en-US"/>
           </a:p>
@@ -1702,7 +1702,7 @@
           <a:p>
             <a:fld id="{78C97017-6FC3-485B-9764-EAC9E56C1D49}" type="datetimeFigureOut">
               <a:rPr lang="en-US" smtClean="0"/>
-              <a:t>7/11/2017</a:t>
+              <a:t>9/11/18</a:t>
             </a:fld>
             <a:endParaRPr lang="en-US"/>
           </a:p>
@@ -2121,7 +2121,7 @@
           <a:p>
             <a:fld id="{78C97017-6FC3-485B-9764-EAC9E56C1D49}" type="datetimeFigureOut">
               <a:rPr lang="en-US" smtClean="0"/>
-              <a:t>7/11/2017</a:t>
+              <a:t>9/11/18</a:t>
             </a:fld>
             <a:endParaRPr lang="en-US"/>
           </a:p>
@@ -2238,7 +2238,7 @@
           <a:p>
             <a:fld id="{78C97017-6FC3-485B-9764-EAC9E56C1D49}" type="datetimeFigureOut">
               <a:rPr lang="en-US" smtClean="0"/>
-              <a:t>7/11/2017</a:t>
+              <a:t>9/11/18</a:t>
             </a:fld>
             <a:endParaRPr lang="en-US"/>
           </a:p>
@@ -2333,7 +2333,7 @@
           <a:p>
             <a:fld id="{78C97017-6FC3-485B-9764-EAC9E56C1D49}" type="datetimeFigureOut">
               <a:rPr lang="en-US" smtClean="0"/>
-              <a:t>7/11/2017</a:t>
+              <a:t>9/11/18</a:t>
             </a:fld>
             <a:endParaRPr lang="en-US"/>
           </a:p>
@@ -2608,7 +2608,7 @@
           <a:p>
             <a:fld id="{78C97017-6FC3-485B-9764-EAC9E56C1D49}" type="datetimeFigureOut">
               <a:rPr lang="en-US" smtClean="0"/>
-              <a:t>7/11/2017</a:t>
+              <a:t>9/11/18</a:t>
             </a:fld>
             <a:endParaRPr lang="en-US"/>
           </a:p>
@@ -2860,7 +2860,7 @@
           <a:p>
             <a:fld id="{78C97017-6FC3-485B-9764-EAC9E56C1D49}" type="datetimeFigureOut">
               <a:rPr lang="en-US" smtClean="0"/>
-              <a:t>7/11/2017</a:t>
+              <a:t>9/11/18</a:t>
             </a:fld>
             <a:endParaRPr lang="en-US"/>
           </a:p>
@@ -3071,7 +3071,7 @@
           <a:p>
             <a:fld id="{78C97017-6FC3-485B-9764-EAC9E56C1D49}" type="datetimeFigureOut">
               <a:rPr lang="en-US" smtClean="0"/>
-              <a:t>7/11/2017</a:t>
+              <a:t>9/11/18</a:t>
             </a:fld>
             <a:endParaRPr lang="en-US"/>
           </a:p>
@@ -3454,7 +3454,7 @@
         </p:nvSpPr>
         <p:spPr>
           <a:xfrm>
-            <a:off x="685800" y="1981200"/>
+            <a:off x="609600" y="1981200"/>
             <a:ext cx="7252956" cy="4000286"/>
           </a:xfrm>
           <a:prstGeom prst="roundRect">
@@ -3515,7 +3515,7 @@
         </p:nvSpPr>
         <p:spPr>
           <a:xfrm>
-            <a:off x="845045" y="2296546"/>
+            <a:off x="768845" y="2296546"/>
             <a:ext cx="1455629" cy="346760"/>
           </a:xfrm>
           <a:prstGeom prst="rect">
@@ -3582,7 +3582,7 @@
         </p:nvCxnSpPr>
         <p:spPr>
           <a:xfrm>
-            <a:off x="1572859" y="2660217"/>
+            <a:off x="1496659" y="2660217"/>
             <a:ext cx="0" cy="2597583"/>
           </a:xfrm>
           <a:prstGeom prst="line">
@@ -3619,7 +3619,7 @@
         </p:nvSpPr>
         <p:spPr>
           <a:xfrm>
-            <a:off x="1500851" y="3010911"/>
+            <a:off x="1424651" y="3010911"/>
             <a:ext cx="152400" cy="2780287"/>
           </a:xfrm>
           <a:prstGeom prst="rect">
@@ -3666,7 +3666,7 @@
         </p:nvSpPr>
         <p:spPr>
           <a:xfrm>
-            <a:off x="2743200" y="2179309"/>
+            <a:off x="2667000" y="2179309"/>
             <a:ext cx="1219200" cy="467684"/>
           </a:xfrm>
           <a:prstGeom prst="rect">
@@ -3702,23 +3702,20 @@
           <a:p>
             <a:pPr algn="ctr"/>
             <a:r>
-              <a:rPr lang="en-US" sz="1600" dirty="0">
+              <a:rPr lang="en-US" sz="1600" dirty="0" smtClean="0">
                 <a:solidFill>
                   <a:schemeClr val="bg1"/>
                 </a:solidFill>
               </a:rPr>
-              <a:t>:Address</a:t>
-            </a:r>
-          </a:p>
-          <a:p>
-            <a:pPr algn="ctr"/>
-            <a:r>
-              <a:rPr lang="en-US" sz="1600" dirty="0" err="1">
+              <a:t>:</a:t>
+            </a:r>
+            <a:r>
+              <a:rPr lang="en-US" sz="1600" dirty="0" err="1" smtClean="0">
                 <a:solidFill>
                   <a:schemeClr val="bg1"/>
                 </a:solidFill>
               </a:rPr>
-              <a:t>BookParser</a:t>
+              <a:t>InventoryParser</a:t>
             </a:r>
             <a:endParaRPr lang="en-SG" sz="1600" dirty="0">
               <a:solidFill>
@@ -3736,7 +3733,7 @@
         </p:nvCxnSpPr>
         <p:spPr>
           <a:xfrm>
-            <a:off x="3356599" y="2663904"/>
+            <a:off x="3280399" y="2663904"/>
             <a:ext cx="0" cy="1695374"/>
           </a:xfrm>
           <a:prstGeom prst="line">
@@ -3773,7 +3770,7 @@
         </p:nvSpPr>
         <p:spPr>
           <a:xfrm>
-            <a:off x="3284590" y="3122096"/>
+            <a:off x="3208390" y="3122096"/>
             <a:ext cx="174929" cy="1129459"/>
           </a:xfrm>
           <a:prstGeom prst="rect">
@@ -3824,7 +3821,7 @@
         </p:nvSpPr>
         <p:spPr>
           <a:xfrm>
-            <a:off x="6221565" y="3312740"/>
+            <a:off x="6145365" y="3312740"/>
             <a:ext cx="1093635" cy="461538"/>
           </a:xfrm>
           <a:prstGeom prst="rect">
@@ -3860,12 +3857,20 @@
           <a:p>
             <a:pPr algn="ctr"/>
             <a:r>
+              <a:rPr lang="en-US" sz="1600" dirty="0" err="1" smtClean="0">
+                <a:solidFill>
+                  <a:schemeClr val="bg1"/>
+                </a:solidFill>
+              </a:rPr>
+              <a:t>a:AddSale</a:t>
+            </a:r>
+            <a:r>
               <a:rPr lang="en-US" sz="1600" dirty="0">
                 <a:solidFill>
                   <a:schemeClr val="bg1"/>
                 </a:solidFill>
               </a:rPr>
-              <a:t>d:Delete</a:t>
+              <a:t/>
             </a:r>
             <a:br>
               <a:rPr lang="en-US" sz="1600" dirty="0">
@@ -3900,7 +3905,7 @@
         </p:nvCxnSpPr>
         <p:spPr>
           <a:xfrm>
-            <a:off x="6772574" y="3774278"/>
+            <a:off x="6696374" y="3774278"/>
             <a:ext cx="0" cy="1940722"/>
           </a:xfrm>
           <a:prstGeom prst="line">
@@ -3937,7 +3942,7 @@
         </p:nvSpPr>
         <p:spPr>
           <a:xfrm>
-            <a:off x="6696374" y="3774278"/>
+            <a:off x="6620174" y="3774278"/>
             <a:ext cx="152400" cy="276003"/>
           </a:xfrm>
           <a:prstGeom prst="rect">
@@ -3984,7 +3989,7 @@
         </p:nvCxnSpPr>
         <p:spPr>
           <a:xfrm>
-            <a:off x="381000" y="3014599"/>
+            <a:off x="304800" y="3014599"/>
             <a:ext cx="1119851" cy="0"/>
           </a:xfrm>
           <a:prstGeom prst="straightConnector1">
@@ -4020,7 +4025,7 @@
         </p:nvCxnSpPr>
         <p:spPr>
           <a:xfrm flipV="1">
-            <a:off x="1653251" y="3122097"/>
+            <a:off x="1577051" y="3122097"/>
             <a:ext cx="1596514" cy="1"/>
           </a:xfrm>
           <a:prstGeom prst="straightConnector1">
@@ -4056,8 +4061,8 @@
         </p:nvSpPr>
         <p:spPr>
           <a:xfrm>
-            <a:off x="0" y="2743200"/>
-            <a:ext cx="1424846" cy="215444"/>
+            <a:off x="-76200" y="2769513"/>
+            <a:ext cx="1424846" cy="430887"/>
           </a:xfrm>
           <a:prstGeom prst="rect">
             <a:avLst/>
@@ -4077,7 +4082,23 @@
                   <a:srgbClr val="0070C0"/>
                 </a:solidFill>
               </a:rPr>
-              <a:t>execute(“delete 1”)</a:t>
+              <a:t>execute(</a:t>
+            </a:r>
+            <a:r>
+              <a:rPr lang="en-US" sz="1400" dirty="0" smtClean="0">
+                <a:solidFill>
+                  <a:srgbClr val="0070C0"/>
+                </a:solidFill>
+              </a:rPr>
+              <a:t>“add-sale s/lg-g7 q/1”</a:t>
+            </a:r>
+            <a:r>
+              <a:rPr lang="en-US" sz="1400" dirty="0">
+                <a:solidFill>
+                  <a:srgbClr val="0070C0"/>
+                </a:solidFill>
+              </a:rPr>
+              <a:t>)</a:t>
             </a:r>
           </a:p>
         </p:txBody>
@@ -4090,8 +4111,8 @@
         </p:nvCxnSpPr>
         <p:spPr>
           <a:xfrm flipV="1">
-            <a:off x="5257218" y="3703214"/>
-            <a:ext cx="922392" cy="1"/>
+            <a:off x="5181018" y="3703215"/>
+            <a:ext cx="991182" cy="1"/>
           </a:xfrm>
           <a:prstGeom prst="straightConnector1">
             <a:avLst/>
@@ -4126,7 +4147,7 @@
         </p:nvSpPr>
         <p:spPr>
           <a:xfrm>
-            <a:off x="4257582" y="4251556"/>
+            <a:off x="3810000" y="4280356"/>
             <a:ext cx="855809" cy="215444"/>
           </a:xfrm>
           <a:prstGeom prst="rect">
@@ -4166,7 +4187,7 @@
         </p:nvCxnSpPr>
         <p:spPr>
           <a:xfrm>
-            <a:off x="5257800" y="4050281"/>
+            <a:off x="5181600" y="4050281"/>
             <a:ext cx="1492974" cy="0"/>
           </a:xfrm>
           <a:prstGeom prst="straightConnector1">
@@ -4204,7 +4225,7 @@
         </p:nvCxnSpPr>
         <p:spPr>
           <a:xfrm flipV="1">
-            <a:off x="1670186" y="4243231"/>
+            <a:off x="1593986" y="4243231"/>
             <a:ext cx="1596514" cy="5378"/>
           </a:xfrm>
           <a:prstGeom prst="straightConnector1">
@@ -4242,7 +4263,7 @@
         </p:nvCxnSpPr>
         <p:spPr>
           <a:xfrm>
-            <a:off x="304800" y="5791200"/>
+            <a:off x="228600" y="5791200"/>
             <a:ext cx="1196051" cy="0"/>
           </a:xfrm>
           <a:prstGeom prst="straightConnector1">
@@ -4280,7 +4301,7 @@
         </p:nvSpPr>
         <p:spPr>
           <a:xfrm>
-            <a:off x="8265896" y="2362200"/>
+            <a:off x="8189696" y="2362200"/>
             <a:ext cx="1030504" cy="346760"/>
           </a:xfrm>
           <a:prstGeom prst="rect">
@@ -4345,7 +4366,7 @@
         </p:nvCxnSpPr>
         <p:spPr>
           <a:xfrm>
-            <a:off x="1653251" y="4495317"/>
+            <a:off x="1577051" y="4495317"/>
             <a:ext cx="5043123" cy="0"/>
           </a:xfrm>
           <a:prstGeom prst="straightConnector1">
@@ -4381,8 +4402,8 @@
         </p:nvSpPr>
         <p:spPr>
           <a:xfrm>
-            <a:off x="6687452" y="4467000"/>
-            <a:ext cx="161322" cy="1019400"/>
+            <a:off x="6629400" y="4467000"/>
+            <a:ext cx="143174" cy="1095600"/>
           </a:xfrm>
           <a:prstGeom prst="rect">
             <a:avLst/>
@@ -4428,7 +4449,7 @@
         </p:nvCxnSpPr>
         <p:spPr>
           <a:xfrm>
-            <a:off x="8781148" y="2700858"/>
+            <a:off x="8704948" y="2700858"/>
             <a:ext cx="0" cy="2830598"/>
           </a:xfrm>
           <a:prstGeom prst="line">
@@ -4468,8 +4489,8 @@
         </p:nvSpPr>
         <p:spPr>
           <a:xfrm>
-            <a:off x="8686800" y="4524597"/>
-            <a:ext cx="152400" cy="199803"/>
+            <a:off x="8610600" y="4495800"/>
+            <a:ext cx="152400" cy="381000"/>
           </a:xfrm>
           <a:prstGeom prst="rect">
             <a:avLst/>
@@ -4525,7 +4546,7 @@
         </p:nvCxnSpPr>
         <p:spPr>
           <a:xfrm>
-            <a:off x="6850663" y="4524597"/>
+            <a:off x="6781800" y="4724400"/>
             <a:ext cx="1836137" cy="0"/>
           </a:xfrm>
           <a:prstGeom prst="straightConnector1">
@@ -4561,7 +4582,7 @@
         </p:nvCxnSpPr>
         <p:spPr>
           <a:xfrm flipV="1">
-            <a:off x="6848774" y="4714650"/>
+            <a:off x="6772574" y="4853894"/>
             <a:ext cx="1838026" cy="9750"/>
           </a:xfrm>
           <a:prstGeom prst="straightConnector1">
@@ -4602,7 +4623,7 @@
         </p:nvCxnSpPr>
         <p:spPr>
           <a:xfrm>
-            <a:off x="1653251" y="5486400"/>
+            <a:off x="1577051" y="5486400"/>
             <a:ext cx="5052349" cy="0"/>
           </a:xfrm>
           <a:prstGeom prst="straightConnector1">
@@ -4640,7 +4661,7 @@
         </p:nvSpPr>
         <p:spPr>
           <a:xfrm>
-            <a:off x="6984957" y="4267200"/>
+            <a:off x="6916094" y="4495800"/>
             <a:ext cx="1424846" cy="215444"/>
           </a:xfrm>
           <a:prstGeom prst="rect">
@@ -4666,21 +4687,26 @@
           </a:lstStyle>
           <a:p>
             <a:r>
-              <a:rPr lang="en-US" dirty="0" err="1">
+              <a:rPr lang="en-US" dirty="0" err="1" smtClean="0">
                 <a:solidFill>
                   <a:srgbClr val="7030A0"/>
                 </a:solidFill>
               </a:rPr>
-              <a:t>deletePerson</a:t>
-            </a:r>
-            <a:r>
-              <a:rPr lang="en-US" dirty="0">
+              <a:t>addSale</a:t>
+            </a:r>
+            <a:r>
+              <a:rPr lang="en-US" dirty="0" smtClean="0">
                 <a:solidFill>
                   <a:srgbClr val="7030A0"/>
                 </a:solidFill>
               </a:rPr>
-              <a:t>(p)</a:t>
-            </a:r>
+              <a:t>(s)</a:t>
+            </a:r>
+            <a:endParaRPr lang="en-US" dirty="0">
+              <a:solidFill>
+                <a:srgbClr val="7030A0"/>
+              </a:solidFill>
+            </a:endParaRPr>
           </a:p>
         </p:txBody>
       </p:sp>
@@ -4692,8 +4718,8 @@
         </p:nvSpPr>
         <p:spPr>
           <a:xfrm>
-            <a:off x="3847551" y="3657600"/>
-            <a:ext cx="767033" cy="184666"/>
+            <a:off x="3771351" y="3657600"/>
+            <a:ext cx="767033" cy="369332"/>
           </a:xfrm>
           <a:prstGeom prst="rect">
             <a:avLst/>
@@ -4719,7 +4745,15 @@
           <a:p>
             <a:r>
               <a:rPr lang="en-US" sz="1200" dirty="0"/>
-              <a:t>parse(“1”)</a:t>
+              <a:t>parse(</a:t>
+            </a:r>
+            <a:r>
+              <a:rPr lang="en-US" sz="1200" dirty="0" smtClean="0"/>
+              <a:t>“s/lg-g7 q/1”</a:t>
+            </a:r>
+            <a:r>
+              <a:rPr lang="en-US" sz="1200" dirty="0"/>
+              <a:t>)</a:t>
             </a:r>
           </a:p>
         </p:txBody>
@@ -4732,8 +4766,8 @@
         </p:nvSpPr>
         <p:spPr>
           <a:xfrm>
-            <a:off x="1742982" y="2850922"/>
-            <a:ext cx="1424846" cy="215444"/>
+            <a:off x="1666782" y="2895600"/>
+            <a:ext cx="1424846" cy="430887"/>
           </a:xfrm>
           <a:prstGeom prst="rect">
             <a:avLst/>
@@ -4759,7 +4793,23 @@
           <a:p>
             <a:r>
               <a:rPr lang="en-US" dirty="0"/>
-              <a:t>parse(“delete 1”)</a:t>
+              <a:t>parse(</a:t>
+            </a:r>
+            <a:r>
+              <a:rPr lang="en-US" dirty="0" smtClean="0"/>
+              <a:t>“</a:t>
+            </a:r>
+            <a:r>
+              <a:rPr lang="en-US" dirty="0"/>
+              <a:t>add-sale s/lg-g7 q/1</a:t>
+            </a:r>
+            <a:r>
+              <a:rPr lang="en-US" dirty="0" smtClean="0"/>
+              <a:t>”</a:t>
+            </a:r>
+            <a:r>
+              <a:rPr lang="en-US" dirty="0"/>
+              <a:t>)</a:t>
             </a:r>
           </a:p>
         </p:txBody>
@@ -4772,7 +4822,7 @@
         </p:nvSpPr>
         <p:spPr>
           <a:xfrm>
-            <a:off x="4340137" y="5255323"/>
+            <a:off x="4263937" y="5255323"/>
             <a:ext cx="621216" cy="215444"/>
           </a:xfrm>
           <a:prstGeom prst="rect">
@@ -4812,7 +4862,7 @@
         </p:nvSpPr>
         <p:spPr>
           <a:xfrm>
-            <a:off x="599983" y="5538488"/>
+            <a:off x="523783" y="5538488"/>
             <a:ext cx="762000" cy="215444"/>
           </a:xfrm>
           <a:prstGeom prst="rect">
@@ -4852,7 +4902,7 @@
         </p:nvSpPr>
         <p:spPr>
           <a:xfrm>
-            <a:off x="7020246" y="4777286"/>
+            <a:off x="6944046" y="4929686"/>
             <a:ext cx="1590354" cy="461538"/>
           </a:xfrm>
           <a:prstGeom prst="rect">
@@ -4919,7 +4969,7 @@
         </p:nvSpPr>
         <p:spPr>
           <a:xfrm>
-            <a:off x="7777323" y="5238824"/>
+            <a:off x="7701123" y="5391224"/>
             <a:ext cx="152400" cy="171376"/>
           </a:xfrm>
           <a:prstGeom prst="rect">
@@ -4966,7 +5016,7 @@
         </p:nvCxnSpPr>
         <p:spPr>
           <a:xfrm>
-            <a:off x="6858000" y="5410200"/>
+            <a:off x="6781800" y="5562600"/>
             <a:ext cx="966624" cy="0"/>
           </a:xfrm>
           <a:prstGeom prst="straightConnector1">
@@ -5004,7 +5054,7 @@
         </p:nvSpPr>
         <p:spPr>
           <a:xfrm>
-            <a:off x="2673845" y="4027787"/>
+            <a:off x="2597645" y="4027787"/>
             <a:ext cx="220343" cy="215444"/>
           </a:xfrm>
           <a:prstGeom prst="rect">
@@ -5030,9 +5080,10 @@
           </a:lstStyle>
           <a:p>
             <a:r>
-              <a:rPr lang="en-US" dirty="0"/>
-              <a:t>d</a:t>
-            </a:r>
+              <a:rPr lang="en-US" dirty="0" smtClean="0"/>
+              <a:t>a</a:t>
+            </a:r>
+            <a:endParaRPr lang="en-US" dirty="0"/>
           </a:p>
         </p:txBody>
       </p:sp>
@@ -5044,7 +5095,7 @@
         </p:nvSpPr>
         <p:spPr>
           <a:xfrm>
-            <a:off x="4231981" y="2929839"/>
+            <a:off x="4155781" y="2929839"/>
             <a:ext cx="1778201" cy="432035"/>
           </a:xfrm>
           <a:prstGeom prst="rect">
@@ -5080,7 +5131,7 @@
           <a:p>
             <a:pPr algn="ctr"/>
             <a:r>
-              <a:rPr lang="en-US" sz="1600" dirty="0">
+              <a:rPr lang="en-US" sz="1600" dirty="0" smtClean="0">
                 <a:solidFill>
                   <a:schemeClr val="bg1"/>
                 </a:solidFill>
@@ -5088,12 +5139,12 @@
               <a:t>:</a:t>
             </a:r>
             <a:r>
-              <a:rPr lang="en-US" sz="1600" dirty="0" err="1">
+              <a:rPr lang="en-US" sz="1600" dirty="0" err="1" smtClean="0">
                 <a:solidFill>
                   <a:schemeClr val="bg1"/>
                 </a:solidFill>
               </a:rPr>
-              <a:t>DeleteCommand</a:t>
+              <a:t>AddSaleCommand</a:t>
             </a:r>
             <a:endParaRPr lang="en-US" sz="1600" dirty="0">
               <a:solidFill>
@@ -5127,7 +5178,7 @@
         </p:nvCxnSpPr>
         <p:spPr>
           <a:xfrm>
-            <a:off x="3462591" y="3657600"/>
+            <a:off x="3386391" y="3657600"/>
             <a:ext cx="1597356" cy="1"/>
           </a:xfrm>
           <a:prstGeom prst="straightConnector1">
@@ -5161,7 +5212,7 @@
         </p:nvSpPr>
         <p:spPr>
           <a:xfrm>
-            <a:off x="5059947" y="3352800"/>
+            <a:off x="4983747" y="3352800"/>
             <a:ext cx="205843" cy="123165"/>
           </a:xfrm>
           <a:prstGeom prst="rect">
@@ -5210,7 +5261,7 @@
         </p:nvCxnSpPr>
         <p:spPr>
           <a:xfrm>
-            <a:off x="5162869" y="3352800"/>
+            <a:off x="5086669" y="3352800"/>
             <a:ext cx="0" cy="990600"/>
           </a:xfrm>
           <a:prstGeom prst="line">
@@ -5247,7 +5298,7 @@
         </p:nvSpPr>
         <p:spPr>
           <a:xfrm>
-            <a:off x="5059947" y="3657601"/>
+            <a:off x="4983747" y="3657601"/>
             <a:ext cx="205843" cy="533400"/>
           </a:xfrm>
           <a:prstGeom prst="rect">
@@ -5294,8 +5345,8 @@
         </p:nvCxnSpPr>
         <p:spPr>
           <a:xfrm>
-            <a:off x="3499382" y="4185073"/>
-            <a:ext cx="1667219" cy="0"/>
+            <a:off x="3352800" y="4191000"/>
+            <a:ext cx="1737601" cy="0"/>
           </a:xfrm>
           <a:prstGeom prst="straightConnector1">
             <a:avLst/>
@@ -5332,7 +5383,7 @@
         </p:nvCxnSpPr>
         <p:spPr>
           <a:xfrm>
-            <a:off x="6858000" y="5029200"/>
+            <a:off x="6781800" y="5181600"/>
             <a:ext cx="162246" cy="0"/>
           </a:xfrm>
           <a:prstGeom prst="straightConnector1">
@@ -5366,7 +5417,7 @@
         </p:nvCxnSpPr>
         <p:spPr>
           <a:xfrm>
-            <a:off x="3412425" y="3173004"/>
+            <a:off x="3336225" y="3173004"/>
             <a:ext cx="819556" cy="1"/>
           </a:xfrm>
           <a:prstGeom prst="straightConnector1">
@@ -5402,7 +5453,7 @@
         </p:nvCxnSpPr>
         <p:spPr>
           <a:xfrm>
-            <a:off x="3459519" y="3475965"/>
+            <a:off x="3383319" y="3475965"/>
             <a:ext cx="1600428" cy="0"/>
           </a:xfrm>
           <a:prstGeom prst="straightConnector1">
@@ -5440,7 +5491,7 @@
         </p:nvSpPr>
         <p:spPr>
           <a:xfrm>
-            <a:off x="5033665" y="4199590"/>
+            <a:off x="4957465" y="4267200"/>
             <a:ext cx="258404" cy="261610"/>
           </a:xfrm>
           <a:prstGeom prst="rect">
@@ -5462,6 +5513,115 @@
               </a:rPr>
               <a:t>X</a:t>
             </a:r>
+          </a:p>
+        </p:txBody>
+      </p:sp>
+      <p:cxnSp>
+        <p:nvCxnSpPr>
+          <p:cNvPr id="47" name="Straight Arrow Connector 46"/>
+          <p:cNvCxnSpPr/>
+          <p:nvPr/>
+        </p:nvCxnSpPr>
+        <p:spPr>
+          <a:xfrm>
+            <a:off x="6781800" y="4495800"/>
+            <a:ext cx="1836137" cy="0"/>
+          </a:xfrm>
+          <a:prstGeom prst="straightConnector1">
+            <a:avLst/>
+          </a:prstGeom>
+          <a:ln w="19050">
+            <a:solidFill>
+              <a:srgbClr val="0070C0"/>
+            </a:solidFill>
+            <a:tailEnd type="arrow"/>
+          </a:ln>
+        </p:spPr>
+        <p:style>
+          <a:lnRef idx="1">
+            <a:schemeClr val="accent1"/>
+          </a:lnRef>
+          <a:fillRef idx="0">
+            <a:schemeClr val="accent1"/>
+          </a:fillRef>
+          <a:effectRef idx="0">
+            <a:schemeClr val="accent1"/>
+          </a:effectRef>
+          <a:fontRef idx="minor">
+            <a:schemeClr val="tx1"/>
+          </a:fontRef>
+        </p:style>
+      </p:cxnSp>
+      <p:sp>
+        <p:nvSpPr>
+          <p:cNvPr id="48" name="TextBox 47"/>
+          <p:cNvSpPr txBox="1"/>
+          <p:nvPr/>
+        </p:nvSpPr>
+        <p:spPr>
+          <a:xfrm>
+            <a:off x="6934200" y="4267200"/>
+            <a:ext cx="1424846" cy="215444"/>
+          </a:xfrm>
+          <a:prstGeom prst="rect">
+            <a:avLst/>
+          </a:prstGeom>
+          <a:noFill/>
+        </p:spPr>
+        <p:txBody>
+          <a:bodyPr wrap="square" lIns="0" tIns="0" rIns="0" bIns="0" rtlCol="0">
+            <a:spAutoFit/>
+          </a:bodyPr>
+          <a:lstStyle>
+            <a:defPPr>
+              <a:defRPr lang="en-US"/>
+            </a:defPPr>
+            <a:lvl1pPr algn="r">
+              <a:defRPr sz="1400">
+                <a:solidFill>
+                  <a:srgbClr val="0070C0"/>
+                </a:solidFill>
+              </a:defRPr>
+            </a:lvl1pPr>
+          </a:lstStyle>
+          <a:p>
+            <a:r>
+              <a:rPr lang="en-US" dirty="0" err="1" smtClean="0">
+                <a:solidFill>
+                  <a:srgbClr val="7030A0"/>
+                </a:solidFill>
+              </a:rPr>
+              <a:t>updateItem</a:t>
+            </a:r>
+            <a:r>
+              <a:rPr lang="en-US" dirty="0" smtClean="0">
+                <a:solidFill>
+                  <a:srgbClr val="7030A0"/>
+                </a:solidFill>
+              </a:rPr>
+              <a:t>(</a:t>
+            </a:r>
+            <a:r>
+              <a:rPr lang="en-US" dirty="0" err="1" smtClean="0">
+                <a:solidFill>
+                  <a:srgbClr val="7030A0"/>
+                </a:solidFill>
+              </a:rPr>
+              <a:t>i</a:t>
+            </a:r>
+            <a:r>
+              <a:rPr lang="en-US" dirty="0" smtClean="0">
+                <a:solidFill>
+                  <a:srgbClr val="7030A0"/>
+                </a:solidFill>
+              </a:rPr>
+              <a:t>)</a:t>
+            </a:r>
+            <a:endParaRPr lang="en-US" dirty="0">
+              <a:solidFill>
+                <a:srgbClr val="7030A0"/>
+              </a:solidFill>
+            </a:endParaRPr>
           </a:p>
         </p:txBody>
       </p:sp>
